--- a/Final Year Project Poster and Report/Poster48x36-WithHeader.pptx
+++ b/Final Year Project Poster and Report/Poster48x36-WithHeader.pptx
@@ -3304,7 +3304,7 @@
           <a:p>
             <a:fld id="{2FAAEAB2-86DC-4180-A492-A371767119EA}" type="datetimeFigureOut">
               <a:rPr lang="en-US" smtClean="0"/>
-              <a:t>10/31/2020</a:t>
+              <a:t>12/16/2020</a:t>
             </a:fld>
             <a:endParaRPr lang="en-US"/>
           </a:p>
@@ -4012,7 +4012,7 @@
             </a:pPr>
             <a:r>
               <a:rPr lang="en-US" dirty="0"/>
-              <a:t>We use Bootstrap5 (Alpha) version for designing webpages with some custom CSS. </a:t>
+              <a:t>We have used Bootstrap5 (Alpha) version for designing webpages with some custom CSS. </a:t>
             </a:r>
           </a:p>
           <a:p>
@@ -4022,7 +4022,7 @@
             </a:pPr>
             <a:r>
               <a:rPr lang="en-US" dirty="0"/>
-              <a:t>In future we use MySQL for database.</a:t>
+              <a:t>In future we will use MySQL for database.</a:t>
             </a:r>
           </a:p>
         </p:txBody>
@@ -4059,7 +4059,15 @@
             </a:pPr>
             <a:r>
               <a:rPr lang="en-US" dirty="0"/>
-              <a:t>For implementing WebRTC and all dynamic features we will use Node.js.</a:t>
+              <a:t>For implementing WebRTC and all dynamic features </a:t>
+            </a:r>
+            <a:r>
+              <a:rPr lang="en-US"/>
+              <a:t>we have used </a:t>
+            </a:r>
+            <a:r>
+              <a:rPr lang="en-US" dirty="0"/>
+              <a:t>Node.js.</a:t>
             </a:r>
           </a:p>
           <a:p>
